--- a/Lab3/lab3.pptx
+++ b/Lab3/lab3.pptx
@@ -251,7 +251,7 @@
             <a:fld id="{40B51F40-6BB4-4E86-8EF7-7CEB2DB8035C}" type="datetimeFigureOut">
               <a:rPr lang="pt-BR" smtClean="0"/>
               <a:pPr/>
-              <a:t>30/09/2018</a:t>
+              <a:t>01/10/2018</a:t>
             </a:fld>
             <a:endParaRPr lang="pt-BR"/>
           </a:p>
@@ -1122,7 +1122,7 @@
             <a:fld id="{40B51F40-6BB4-4E86-8EF7-7CEB2DB8035C}" type="datetimeFigureOut">
               <a:rPr lang="pt-BR" smtClean="0"/>
               <a:pPr/>
-              <a:t>30/09/2018</a:t>
+              <a:t>01/10/2018</a:t>
             </a:fld>
             <a:endParaRPr lang="pt-BR"/>
           </a:p>
@@ -1299,7 +1299,7 @@
             <a:fld id="{40B51F40-6BB4-4E86-8EF7-7CEB2DB8035C}" type="datetimeFigureOut">
               <a:rPr lang="pt-BR" smtClean="0"/>
               <a:pPr/>
-              <a:t>30/09/2018</a:t>
+              <a:t>01/10/2018</a:t>
             </a:fld>
             <a:endParaRPr lang="pt-BR"/>
           </a:p>
@@ -1471,7 +1471,7 @@
             <a:fld id="{40B51F40-6BB4-4E86-8EF7-7CEB2DB8035C}" type="datetimeFigureOut">
               <a:rPr lang="pt-BR" smtClean="0"/>
               <a:pPr/>
-              <a:t>30/09/2018</a:t>
+              <a:t>01/10/2018</a:t>
             </a:fld>
             <a:endParaRPr lang="pt-BR"/>
           </a:p>
@@ -1683,7 +1683,7 @@
             <a:fld id="{40B51F40-6BB4-4E86-8EF7-7CEB2DB8035C}" type="datetimeFigureOut">
               <a:rPr lang="pt-BR" smtClean="0"/>
               <a:pPr/>
-              <a:t>30/09/2018</a:t>
+              <a:t>01/10/2018</a:t>
             </a:fld>
             <a:endParaRPr lang="pt-BR"/>
           </a:p>
@@ -2499,7 +2499,7 @@
             <a:fld id="{40B51F40-6BB4-4E86-8EF7-7CEB2DB8035C}" type="datetimeFigureOut">
               <a:rPr lang="pt-BR" smtClean="0"/>
               <a:pPr/>
-              <a:t>30/09/2018</a:t>
+              <a:t>01/10/2018</a:t>
             </a:fld>
             <a:endParaRPr lang="pt-BR"/>
           </a:p>
@@ -2737,7 +2737,7 @@
             <a:fld id="{40B51F40-6BB4-4E86-8EF7-7CEB2DB8035C}" type="datetimeFigureOut">
               <a:rPr lang="pt-BR" smtClean="0"/>
               <a:pPr/>
-              <a:t>30/09/2018</a:t>
+              <a:t>01/10/2018</a:t>
             </a:fld>
             <a:endParaRPr lang="pt-BR"/>
           </a:p>
@@ -3062,7 +3062,7 @@
             <a:fld id="{40B51F40-6BB4-4E86-8EF7-7CEB2DB8035C}" type="datetimeFigureOut">
               <a:rPr lang="pt-BR" smtClean="0"/>
               <a:pPr/>
-              <a:t>30/09/2018</a:t>
+              <a:t>01/10/2018</a:t>
             </a:fld>
             <a:endParaRPr lang="pt-BR"/>
           </a:p>
@@ -3154,7 +3154,7 @@
             <a:fld id="{40B51F40-6BB4-4E86-8EF7-7CEB2DB8035C}" type="datetimeFigureOut">
               <a:rPr lang="pt-BR" smtClean="0"/>
               <a:pPr/>
-              <a:t>30/09/2018</a:t>
+              <a:t>01/10/2018</a:t>
             </a:fld>
             <a:endParaRPr lang="pt-BR"/>
           </a:p>
@@ -3673,7 +3673,7 @@
             <a:fld id="{40B51F40-6BB4-4E86-8EF7-7CEB2DB8035C}" type="datetimeFigureOut">
               <a:rPr lang="pt-BR" smtClean="0"/>
               <a:pPr/>
-              <a:t>30/09/2018</a:t>
+              <a:t>01/10/2018</a:t>
             </a:fld>
             <a:endParaRPr lang="pt-BR"/>
           </a:p>
@@ -4186,7 +4186,7 @@
             <a:fld id="{40B51F40-6BB4-4E86-8EF7-7CEB2DB8035C}" type="datetimeFigureOut">
               <a:rPr lang="pt-BR" smtClean="0"/>
               <a:pPr/>
-              <a:t>30/09/2018</a:t>
+              <a:t>01/10/2018</a:t>
             </a:fld>
             <a:endParaRPr lang="pt-BR"/>
           </a:p>
@@ -4433,7 +4433,7 @@
             <a:fld id="{40B51F40-6BB4-4E86-8EF7-7CEB2DB8035C}" type="datetimeFigureOut">
               <a:rPr lang="pt-BR" smtClean="0"/>
               <a:pPr/>
-              <a:t>30/09/2018</a:t>
+              <a:t>01/10/2018</a:t>
             </a:fld>
             <a:endParaRPr lang="pt-BR"/>
           </a:p>
@@ -5186,7 +5186,7 @@
           <p:nvPr/>
         </p:nvPicPr>
         <p:blipFill>
-          <a:blip r:embed="rId2"/>
+          <a:blip r:embed="rId2" cstate="print"/>
           <a:srcRect/>
           <a:stretch>
             <a:fillRect/>
@@ -5265,7 +5265,7 @@
           <p:nvPr/>
         </p:nvPicPr>
         <p:blipFill>
-          <a:blip r:embed="rId2"/>
+          <a:blip r:embed="rId2" cstate="print"/>
           <a:srcRect/>
           <a:stretch>
             <a:fillRect/>
@@ -5348,6 +5348,38 @@
           </a:p>
         </p:txBody>
       </p:sp>
+      <p:pic>
+        <p:nvPicPr>
+          <p:cNvPr id="1026" name="Picture 2"/>
+          <p:cNvPicPr>
+            <a:picLocks noChangeAspect="1" noChangeArrowheads="1"/>
+          </p:cNvPicPr>
+          <p:nvPr/>
+        </p:nvPicPr>
+        <p:blipFill>
+          <a:blip r:embed="rId2" cstate="print"/>
+          <a:srcRect/>
+          <a:stretch>
+            <a:fillRect/>
+          </a:stretch>
+        </p:blipFill>
+        <p:spPr bwMode="auto">
+          <a:xfrm>
+            <a:off x="323528" y="1484784"/>
+            <a:ext cx="7776864" cy="5176119"/>
+          </a:xfrm>
+          <a:prstGeom prst="rect">
+            <a:avLst/>
+          </a:prstGeom>
+          <a:noFill/>
+          <a:ln w="9525">
+            <a:noFill/>
+            <a:miter lim="800000"/>
+            <a:headEnd/>
+            <a:tailEnd/>
+          </a:ln>
+        </p:spPr>
+      </p:pic>
     </p:spTree>
   </p:cSld>
   <p:clrMapOvr>
@@ -5479,6 +5511,13 @@
   <p:clrMapOvr>
     <a:masterClrMapping/>
   </p:clrMapOvr>
+  <p:timing>
+    <p:tnLst>
+      <p:par>
+        <p:cTn id="1" dur="indefinite" restart="never" nodeType="tmRoot"/>
+      </p:par>
+    </p:tnLst>
+  </p:timing>
 </p:sld>
 </file>
 
@@ -5545,11 +5584,7 @@
           <a:p>
             <a:r>
               <a:rPr lang="pt-BR" dirty="0" smtClean="0"/>
-              <a:t>Tiro </a:t>
-            </a:r>
-            <a:r>
-              <a:rPr lang="pt-BR" dirty="0" smtClean="0"/>
-              <a:t>da nave</a:t>
+              <a:t>Tiro da nave</a:t>
             </a:r>
           </a:p>
           <a:p>
